--- a/POLYNOMIAL REGRESSION Hyperparameter Tuning.pptx
+++ b/POLYNOMIAL REGRESSION Hyperparameter Tuning.pptx
@@ -114,12 +114,33 @@
 </p:presentation>
 </file>
 
-<file path=ppt/revisionInfo.xml><?xml version="1.0" encoding="utf-8"?>
-<p1510:revInfo xmlns:a="http://schemas.openxmlformats.org/drawingml/2006/main" xmlns:r="http://schemas.openxmlformats.org/officeDocument/2006/relationships" xmlns:p1510="http://schemas.microsoft.com/office/powerpoint/2015/10/main">
-  <p1510:revLst>
-    <p1510:client id="{2B60DB82-79B6-447A-A590-B3E6AC1FE668}" v="65" dt="2023-02-27T10:14:47.297"/>
-  </p1510:revLst>
-</p1510:revInfo>
+<file path=ppt/changesInfos/changesInfo1.xml><?xml version="1.0" encoding="utf-8"?>
+<pc:chgInfo xmlns:a="http://schemas.openxmlformats.org/drawingml/2006/main" xmlns:r="http://schemas.openxmlformats.org/officeDocument/2006/relationships" xmlns:ac="http://schemas.microsoft.com/office/drawing/2013/main/command" xmlns:pc="http://schemas.microsoft.com/office/powerpoint/2013/main/command">
+  <pc:docChgLst>
+    <pc:chgData name="md imran" userId="c5fbcc4ade4b28ae" providerId="LiveId" clId="{471CBC68-6C47-4DCA-8911-F6F6C847598E}"/>
+    <pc:docChg chg="undo custSel modSld">
+      <pc:chgData name="md imran" userId="c5fbcc4ade4b28ae" providerId="LiveId" clId="{471CBC68-6C47-4DCA-8911-F6F6C847598E}" dt="2023-03-25T10:17:36.195" v="5" actId="14100"/>
+      <pc:docMkLst>
+        <pc:docMk/>
+      </pc:docMkLst>
+      <pc:sldChg chg="modSp mod">
+        <pc:chgData name="md imran" userId="c5fbcc4ade4b28ae" providerId="LiveId" clId="{471CBC68-6C47-4DCA-8911-F6F6C847598E}" dt="2023-03-25T10:17:36.195" v="5" actId="14100"/>
+        <pc:sldMkLst>
+          <pc:docMk/>
+          <pc:sldMk cId="1005056943" sldId="258"/>
+        </pc:sldMkLst>
+        <pc:graphicFrameChg chg="mod modGraphic">
+          <ac:chgData name="md imran" userId="c5fbcc4ade4b28ae" providerId="LiveId" clId="{471CBC68-6C47-4DCA-8911-F6F6C847598E}" dt="2023-03-25T10:17:36.195" v="5" actId="14100"/>
+          <ac:graphicFrameMkLst>
+            <pc:docMk/>
+            <pc:sldMk cId="1005056943" sldId="258"/>
+            <ac:graphicFrameMk id="4" creationId="{9FDF58B6-BC71-915D-4F2C-7C2925F0AFF4}"/>
+          </ac:graphicFrameMkLst>
+        </pc:graphicFrameChg>
+      </pc:sldChg>
+    </pc:docChg>
+  </pc:docChgLst>
+</pc:chgInfo>
 </file>
 
 <file path=ppt/diagrams/colors1.xml><?xml version="1.0" encoding="utf-8"?>
@@ -1598,10 +1619,24 @@
     <dgm:pt modelId="{2E3E4539-7F38-4387-B294-5EA07D2A974E}" type="parTrans" cxnId="{9C876A04-47A1-4AB6-846C-1A66A4D0F938}">
       <dgm:prSet/>
       <dgm:spPr/>
+      <dgm:t>
+        <a:bodyPr/>
+        <a:lstStyle/>
+        <a:p>
+          <a:endParaRPr lang="en-US"/>
+        </a:p>
+      </dgm:t>
     </dgm:pt>
     <dgm:pt modelId="{49E3D7C3-F5E0-4168-AEE3-798CEEEFF157}" type="sibTrans" cxnId="{9C876A04-47A1-4AB6-846C-1A66A4D0F938}">
       <dgm:prSet/>
       <dgm:spPr/>
+      <dgm:t>
+        <a:bodyPr/>
+        <a:lstStyle/>
+        <a:p>
+          <a:endParaRPr lang="en-US"/>
+        </a:p>
+      </dgm:t>
     </dgm:pt>
     <dgm:pt modelId="{F41D69B6-BA5E-42DB-B8E6-B6C40D4AA702}">
       <dgm:prSet>
@@ -1638,10 +1673,24 @@
     <dgm:pt modelId="{F9171211-ED9E-4EBA-BDAA-E04C5FBA7B24}" type="parTrans" cxnId="{E8589987-9E04-4489-9A01-8701E757C05A}">
       <dgm:prSet/>
       <dgm:spPr/>
+      <dgm:t>
+        <a:bodyPr/>
+        <a:lstStyle/>
+        <a:p>
+          <a:endParaRPr lang="en-US"/>
+        </a:p>
+      </dgm:t>
     </dgm:pt>
     <dgm:pt modelId="{90FCFA3D-CA86-479C-848D-D1343B3B9BC0}" type="sibTrans" cxnId="{E8589987-9E04-4489-9A01-8701E757C05A}">
       <dgm:prSet/>
       <dgm:spPr/>
+      <dgm:t>
+        <a:bodyPr/>
+        <a:lstStyle/>
+        <a:p>
+          <a:endParaRPr lang="en-US"/>
+        </a:p>
+      </dgm:t>
     </dgm:pt>
     <dgm:pt modelId="{2413A1AF-F086-49D4-9712-6587E56B1604}">
       <dgm:prSet>
@@ -1678,10 +1727,24 @@
     <dgm:pt modelId="{5C3550DF-839B-4860-BE87-EE43AA472889}" type="parTrans" cxnId="{C03FACC3-91D9-41D6-9A18-B2AF937C3C04}">
       <dgm:prSet/>
       <dgm:spPr/>
+      <dgm:t>
+        <a:bodyPr/>
+        <a:lstStyle/>
+        <a:p>
+          <a:endParaRPr lang="en-US"/>
+        </a:p>
+      </dgm:t>
     </dgm:pt>
     <dgm:pt modelId="{A181AB3B-F4F9-4163-BAD9-48817E1A05EE}" type="sibTrans" cxnId="{C03FACC3-91D9-41D6-9A18-B2AF937C3C04}">
       <dgm:prSet/>
       <dgm:spPr/>
+      <dgm:t>
+        <a:bodyPr/>
+        <a:lstStyle/>
+        <a:p>
+          <a:endParaRPr lang="en-US"/>
+        </a:p>
+      </dgm:t>
     </dgm:pt>
     <dgm:pt modelId="{3701B676-57A0-4115-82AC-C389249B785F}" type="pres">
       <dgm:prSet presAssocID="{117BA3FD-ECC9-4D36-B586-95558BB5FDAE}" presName="Name0" presStyleCnt="0">
@@ -3847,7 +3910,7 @@
           <a:p>
             <a:fld id="{C3C114EB-C5BA-4120-B28D-AC54263EB391}" type="datetimeFigureOut">
               <a:rPr lang="en-US" smtClean="0"/>
-              <a:t>2/27/2023</a:t>
+              <a:t>3/25/2023</a:t>
             </a:fld>
             <a:endParaRPr lang="en-US"/>
           </a:p>
@@ -4045,7 +4108,7 @@
           <a:p>
             <a:fld id="{C3C114EB-C5BA-4120-B28D-AC54263EB391}" type="datetimeFigureOut">
               <a:rPr lang="en-US" smtClean="0"/>
-              <a:t>2/27/2023</a:t>
+              <a:t>3/25/2023</a:t>
             </a:fld>
             <a:endParaRPr lang="en-US"/>
           </a:p>
@@ -4253,7 +4316,7 @@
           <a:p>
             <a:fld id="{C3C114EB-C5BA-4120-B28D-AC54263EB391}" type="datetimeFigureOut">
               <a:rPr lang="en-US" smtClean="0"/>
-              <a:t>2/27/2023</a:t>
+              <a:t>3/25/2023</a:t>
             </a:fld>
             <a:endParaRPr lang="en-US"/>
           </a:p>
@@ -4451,7 +4514,7 @@
           <a:p>
             <a:fld id="{C3C114EB-C5BA-4120-B28D-AC54263EB391}" type="datetimeFigureOut">
               <a:rPr lang="en-US" smtClean="0"/>
-              <a:t>2/27/2023</a:t>
+              <a:t>3/25/2023</a:t>
             </a:fld>
             <a:endParaRPr lang="en-US"/>
           </a:p>
@@ -4726,7 +4789,7 @@
           <a:p>
             <a:fld id="{C3C114EB-C5BA-4120-B28D-AC54263EB391}" type="datetimeFigureOut">
               <a:rPr lang="en-US" smtClean="0"/>
-              <a:t>2/27/2023</a:t>
+              <a:t>3/25/2023</a:t>
             </a:fld>
             <a:endParaRPr lang="en-US"/>
           </a:p>
@@ -4991,7 +5054,7 @@
           <a:p>
             <a:fld id="{C3C114EB-C5BA-4120-B28D-AC54263EB391}" type="datetimeFigureOut">
               <a:rPr lang="en-US" smtClean="0"/>
-              <a:t>2/27/2023</a:t>
+              <a:t>3/25/2023</a:t>
             </a:fld>
             <a:endParaRPr lang="en-US"/>
           </a:p>
@@ -5403,7 +5466,7 @@
           <a:p>
             <a:fld id="{C3C114EB-C5BA-4120-B28D-AC54263EB391}" type="datetimeFigureOut">
               <a:rPr lang="en-US" smtClean="0"/>
-              <a:t>2/27/2023</a:t>
+              <a:t>3/25/2023</a:t>
             </a:fld>
             <a:endParaRPr lang="en-US"/>
           </a:p>
@@ -5544,7 +5607,7 @@
           <a:p>
             <a:fld id="{C3C114EB-C5BA-4120-B28D-AC54263EB391}" type="datetimeFigureOut">
               <a:rPr lang="en-US" smtClean="0"/>
-              <a:t>2/27/2023</a:t>
+              <a:t>3/25/2023</a:t>
             </a:fld>
             <a:endParaRPr lang="en-US"/>
           </a:p>
@@ -5657,7 +5720,7 @@
           <a:p>
             <a:fld id="{C3C114EB-C5BA-4120-B28D-AC54263EB391}" type="datetimeFigureOut">
               <a:rPr lang="en-US" smtClean="0"/>
-              <a:t>2/27/2023</a:t>
+              <a:t>3/25/2023</a:t>
             </a:fld>
             <a:endParaRPr lang="en-US"/>
           </a:p>
@@ -5968,7 +6031,7 @@
           <a:p>
             <a:fld id="{C3C114EB-C5BA-4120-B28D-AC54263EB391}" type="datetimeFigureOut">
               <a:rPr lang="en-US" smtClean="0"/>
-              <a:t>2/27/2023</a:t>
+              <a:t>3/25/2023</a:t>
             </a:fld>
             <a:endParaRPr lang="en-US"/>
           </a:p>
@@ -6256,7 +6319,7 @@
           <a:p>
             <a:fld id="{C3C114EB-C5BA-4120-B28D-AC54263EB391}" type="datetimeFigureOut">
               <a:rPr lang="en-US" smtClean="0"/>
-              <a:t>2/27/2023</a:t>
+              <a:t>3/25/2023</a:t>
             </a:fld>
             <a:endParaRPr lang="en-US"/>
           </a:p>
@@ -6497,7 +6560,7 @@
           <a:p>
             <a:fld id="{C3C114EB-C5BA-4120-B28D-AC54263EB391}" type="datetimeFigureOut">
               <a:rPr lang="en-US" smtClean="0"/>
-              <a:t>2/27/2023</a:t>
+              <a:t>3/25/2023</a:t>
             </a:fld>
             <a:endParaRPr lang="en-US"/>
           </a:p>
@@ -7085,7 +7148,7 @@
           <p:nvPr>
             <p:extLst>
               <p:ext uri="{D42A27DB-BD31-4B8C-83A1-F6EECF244321}">
-                <p14:modId xmlns:p14="http://schemas.microsoft.com/office/powerpoint/2010/main" val="494549902"/>
+                <p14:modId xmlns:p14="http://schemas.microsoft.com/office/powerpoint/2010/main" val="3661834981"/>
               </p:ext>
             </p:extLst>
           </p:nvPr>
@@ -7700,6 +7763,23 @@
 </file>
 
 <file path=customXml/item1.xml><?xml version="1.0" encoding="utf-8"?>
+<?mso-contentType ?>
+<FormTemplates xmlns="http://schemas.microsoft.com/sharepoint/v3/contenttype/forms">
+  <Display>DocumentLibraryForm</Display>
+  <Edit>DocumentLibraryForm</Edit>
+  <New>DocumentLibraryForm</New>
+</FormTemplates>
+</file>
+
+<file path=customXml/item2.xml><?xml version="1.0" encoding="utf-8"?>
+<p:properties xmlns:p="http://schemas.microsoft.com/office/2006/metadata/properties" xmlns:xsi="http://www.w3.org/2001/XMLSchema-instance" xmlns:pc="http://schemas.microsoft.com/office/infopath/2007/PartnerControls">
+  <documentManagement>
+    <_activity xmlns="ba0c8c2f-53f0-4750-9ea7-0aba7dec4639" xsi:nil="true"/>
+  </documentManagement>
+</p:properties>
+</file>
+
+<file path=customXml/item3.xml><?xml version="1.0" encoding="utf-8"?>
 <ct:contentTypeSchema xmlns:ct="http://schemas.microsoft.com/office/2006/metadata/contentType" xmlns:ma="http://schemas.microsoft.com/office/2006/metadata/properties/metaAttributes" ct:_="" ma:_="" ma:contentTypeName="Document" ma:contentTypeID="0x010100FB3FD7179DB53E449420B1718C37DEEE" ma:contentTypeVersion="6" ma:contentTypeDescription="Create a new document." ma:contentTypeScope="" ma:versionID="59c7e5dda126eeb37dca3b3d7c750344">
   <xsd:schema xmlns:xsd="http://www.w3.org/2001/XMLSchema" xmlns:xs="http://www.w3.org/2001/XMLSchema" xmlns:p="http://schemas.microsoft.com/office/2006/metadata/properties" xmlns:ns3="ba0c8c2f-53f0-4750-9ea7-0aba7dec4639" targetNamespace="http://schemas.microsoft.com/office/2006/metadata/properties" ma:root="true" ma:fieldsID="73ddd9b08378537a4662a3ce9d9afd81" ns3:_="">
     <xsd:import namespace="ba0c8c2f-53f0-4750-9ea7-0aba7dec4639"/>
@@ -7857,37 +7937,10 @@
 </ct:contentTypeSchema>
 </file>
 
-<file path=customXml/item2.xml><?xml version="1.0" encoding="utf-8"?>
-<p:properties xmlns:p="http://schemas.microsoft.com/office/2006/metadata/properties" xmlns:xsi="http://www.w3.org/2001/XMLSchema-instance" xmlns:pc="http://schemas.microsoft.com/office/infopath/2007/PartnerControls">
-  <documentManagement>
-    <_activity xmlns="ba0c8c2f-53f0-4750-9ea7-0aba7dec4639" xsi:nil="true"/>
-  </documentManagement>
-</p:properties>
-</file>
-
-<file path=customXml/item3.xml><?xml version="1.0" encoding="utf-8"?>
-<?mso-contentType ?>
-<FormTemplates xmlns="http://schemas.microsoft.com/sharepoint/v3/contenttype/forms">
-  <Display>DocumentLibraryForm</Display>
-  <Edit>DocumentLibraryForm</Edit>
-  <New>DocumentLibraryForm</New>
-</FormTemplates>
-</file>
-
 <file path=customXml/itemProps1.xml><?xml version="1.0" encoding="utf-8"?>
-<ds:datastoreItem xmlns:ds="http://schemas.openxmlformats.org/officeDocument/2006/customXml" ds:itemID="{10ED2437-5A91-4E28-9962-29E10535DAB1}">
+<ds:datastoreItem xmlns:ds="http://schemas.openxmlformats.org/officeDocument/2006/customXml" ds:itemID="{7E514F02-E0E3-4447-906D-CB5BC4DE599D}">
   <ds:schemaRefs>
-    <ds:schemaRef ds:uri="http://schemas.microsoft.com/office/2006/metadata/contentType"/>
-    <ds:schemaRef ds:uri="http://schemas.microsoft.com/office/2006/metadata/properties/metaAttributes"/>
-    <ds:schemaRef ds:uri="http://www.w3.org/2001/XMLSchema"/>
-    <ds:schemaRef ds:uri="http://schemas.microsoft.com/office/2006/metadata/properties"/>
-    <ds:schemaRef ds:uri="ba0c8c2f-53f0-4750-9ea7-0aba7dec4639"/>
-    <ds:schemaRef ds:uri="http://schemas.microsoft.com/office/2006/documentManagement/types"/>
-    <ds:schemaRef ds:uri="http://schemas.microsoft.com/office/infopath/2007/PartnerControls"/>
-    <ds:schemaRef ds:uri="http://schemas.openxmlformats.org/package/2006/metadata/core-properties"/>
-    <ds:schemaRef ds:uri="http://purl.org/dc/elements/1.1/"/>
-    <ds:schemaRef ds:uri="http://purl.org/dc/terms/"/>
-    <ds:schemaRef ds:uri="http://schemas.microsoft.com/internal/obd"/>
+    <ds:schemaRef ds:uri="http://schemas.microsoft.com/sharepoint/v3/contenttype/forms"/>
   </ds:schemaRefs>
 </ds:datastoreItem>
 </file>
@@ -7909,9 +7962,19 @@
 </file>
 
 <file path=customXml/itemProps3.xml><?xml version="1.0" encoding="utf-8"?>
-<ds:datastoreItem xmlns:ds="http://schemas.openxmlformats.org/officeDocument/2006/customXml" ds:itemID="{7E514F02-E0E3-4447-906D-CB5BC4DE599D}">
+<ds:datastoreItem xmlns:ds="http://schemas.openxmlformats.org/officeDocument/2006/customXml" ds:itemID="{10ED2437-5A91-4E28-9962-29E10535DAB1}">
   <ds:schemaRefs>
-    <ds:schemaRef ds:uri="http://schemas.microsoft.com/sharepoint/v3/contenttype/forms"/>
+    <ds:schemaRef ds:uri="http://schemas.microsoft.com/office/2006/metadata/contentType"/>
+    <ds:schemaRef ds:uri="http://schemas.microsoft.com/office/2006/metadata/properties/metaAttributes"/>
+    <ds:schemaRef ds:uri="http://www.w3.org/2001/XMLSchema"/>
+    <ds:schemaRef ds:uri="http://schemas.microsoft.com/office/2006/metadata/properties"/>
+    <ds:schemaRef ds:uri="ba0c8c2f-53f0-4750-9ea7-0aba7dec4639"/>
+    <ds:schemaRef ds:uri="http://schemas.microsoft.com/office/2006/documentManagement/types"/>
+    <ds:schemaRef ds:uri="http://schemas.microsoft.com/office/infopath/2007/PartnerControls"/>
+    <ds:schemaRef ds:uri="http://schemas.openxmlformats.org/package/2006/metadata/core-properties"/>
+    <ds:schemaRef ds:uri="http://purl.org/dc/elements/1.1/"/>
+    <ds:schemaRef ds:uri="http://purl.org/dc/terms/"/>
+    <ds:schemaRef ds:uri="http://schemas.microsoft.com/internal/obd"/>
   </ds:schemaRefs>
 </ds:datastoreItem>
 </file>